--- a/static/images/project/blog graphic size.pptx
+++ b/static/images/project/blog graphic size.pptx
@@ -2,7 +2,7 @@
 <file path=ppt/presentation.xml><?xml version="1.0" encoding="utf-8"?>
 <p:presentation xmlns:a="http://schemas.openxmlformats.org/drawingml/2006/main" xmlns:r="http://schemas.openxmlformats.org/officeDocument/2006/relationships" xmlns:p="http://schemas.openxmlformats.org/presentationml/2006/main" saveSubsetFonts="1" autoCompressPictures="0">
   <p:sldMasterIdLst>
-    <p:sldMasterId id="2147483648" r:id="rId1"/>
+    <p:sldMasterId id="2147483660" r:id="rId1"/>
   </p:sldMasterIdLst>
   <p:sldIdLst>
     <p:sldId id="256" r:id="rId2"/>
@@ -13,7 +13,7 @@
     <a:defPPr>
       <a:defRPr lang="en-US"/>
     </a:defPPr>
-    <a:lvl1pPr marL="0" algn="l" defTabSz="914400" rtl="0" eaLnBrk="1" latinLnBrk="0" hangingPunct="1">
+    <a:lvl1pPr marL="0" algn="l" defTabSz="457200" rtl="0" eaLnBrk="1" latinLnBrk="0" hangingPunct="1">
       <a:defRPr sz="1800" kern="1200">
         <a:solidFill>
           <a:schemeClr val="tx1"/>
@@ -23,7 +23,7 @@
         <a:cs typeface="+mn-cs"/>
       </a:defRPr>
     </a:lvl1pPr>
-    <a:lvl2pPr marL="457200" algn="l" defTabSz="914400" rtl="0" eaLnBrk="1" latinLnBrk="0" hangingPunct="1">
+    <a:lvl2pPr marL="457200" algn="l" defTabSz="457200" rtl="0" eaLnBrk="1" latinLnBrk="0" hangingPunct="1">
       <a:defRPr sz="1800" kern="1200">
         <a:solidFill>
           <a:schemeClr val="tx1"/>
@@ -33,7 +33,7 @@
         <a:cs typeface="+mn-cs"/>
       </a:defRPr>
     </a:lvl2pPr>
-    <a:lvl3pPr marL="914400" algn="l" defTabSz="914400" rtl="0" eaLnBrk="1" latinLnBrk="0" hangingPunct="1">
+    <a:lvl3pPr marL="914400" algn="l" defTabSz="457200" rtl="0" eaLnBrk="1" latinLnBrk="0" hangingPunct="1">
       <a:defRPr sz="1800" kern="1200">
         <a:solidFill>
           <a:schemeClr val="tx1"/>
@@ -43,7 +43,7 @@
         <a:cs typeface="+mn-cs"/>
       </a:defRPr>
     </a:lvl3pPr>
-    <a:lvl4pPr marL="1371600" algn="l" defTabSz="914400" rtl="0" eaLnBrk="1" latinLnBrk="0" hangingPunct="1">
+    <a:lvl4pPr marL="1371600" algn="l" defTabSz="457200" rtl="0" eaLnBrk="1" latinLnBrk="0" hangingPunct="1">
       <a:defRPr sz="1800" kern="1200">
         <a:solidFill>
           <a:schemeClr val="tx1"/>
@@ -53,7 +53,7 @@
         <a:cs typeface="+mn-cs"/>
       </a:defRPr>
     </a:lvl4pPr>
-    <a:lvl5pPr marL="1828800" algn="l" defTabSz="914400" rtl="0" eaLnBrk="1" latinLnBrk="0" hangingPunct="1">
+    <a:lvl5pPr marL="1828800" algn="l" defTabSz="457200" rtl="0" eaLnBrk="1" latinLnBrk="0" hangingPunct="1">
       <a:defRPr sz="1800" kern="1200">
         <a:solidFill>
           <a:schemeClr val="tx1"/>
@@ -63,7 +63,7 @@
         <a:cs typeface="+mn-cs"/>
       </a:defRPr>
     </a:lvl5pPr>
-    <a:lvl6pPr marL="2286000" algn="l" defTabSz="914400" rtl="0" eaLnBrk="1" latinLnBrk="0" hangingPunct="1">
+    <a:lvl6pPr marL="2286000" algn="l" defTabSz="457200" rtl="0" eaLnBrk="1" latinLnBrk="0" hangingPunct="1">
       <a:defRPr sz="1800" kern="1200">
         <a:solidFill>
           <a:schemeClr val="tx1"/>
@@ -73,7 +73,7 @@
         <a:cs typeface="+mn-cs"/>
       </a:defRPr>
     </a:lvl6pPr>
-    <a:lvl7pPr marL="2743200" algn="l" defTabSz="914400" rtl="0" eaLnBrk="1" latinLnBrk="0" hangingPunct="1">
+    <a:lvl7pPr marL="2743200" algn="l" defTabSz="457200" rtl="0" eaLnBrk="1" latinLnBrk="0" hangingPunct="1">
       <a:defRPr sz="1800" kern="1200">
         <a:solidFill>
           <a:schemeClr val="tx1"/>
@@ -83,7 +83,7 @@
         <a:cs typeface="+mn-cs"/>
       </a:defRPr>
     </a:lvl7pPr>
-    <a:lvl8pPr marL="3200400" algn="l" defTabSz="914400" rtl="0" eaLnBrk="1" latinLnBrk="0" hangingPunct="1">
+    <a:lvl8pPr marL="3200400" algn="l" defTabSz="457200" rtl="0" eaLnBrk="1" latinLnBrk="0" hangingPunct="1">
       <a:defRPr sz="1800" kern="1200">
         <a:solidFill>
           <a:schemeClr val="tx1"/>
@@ -93,7 +93,7 @@
         <a:cs typeface="+mn-cs"/>
       </a:defRPr>
     </a:lvl8pPr>
-    <a:lvl9pPr marL="3657600" algn="l" defTabSz="914400" rtl="0" eaLnBrk="1" latinLnBrk="0" hangingPunct="1">
+    <a:lvl9pPr marL="3657600" algn="l" defTabSz="457200" rtl="0" eaLnBrk="1" latinLnBrk="0" hangingPunct="1">
       <a:defRPr sz="1800" kern="1200">
         <a:solidFill>
           <a:schemeClr val="tx1"/>
@@ -131,13 +131,7 @@
       </p:grpSpPr>
       <p:sp>
         <p:nvSpPr>
-          <p:cNvPr id="2" name="Title 1">
-            <a:extLst>
-              <a:ext uri="{FF2B5EF4-FFF2-40B4-BE49-F238E27FC236}">
-                <a16:creationId xmlns:a16="http://schemas.microsoft.com/office/drawing/2014/main" id="{AE426702-6FFB-AF67-F794-A8623FB4F39D}"/>
-              </a:ext>
-            </a:extLst>
-          </p:cNvPr>
+          <p:cNvPr id="2" name="Title 1"/>
           <p:cNvSpPr>
             <a:spLocks noGrp="1"/>
           </p:cNvSpPr>
@@ -163,19 +157,13 @@
               <a:rPr lang="en-GB"/>
               <a:t>Click to edit Master title style</a:t>
             </a:r>
-            <a:endParaRPr lang="en-US"/>
-          </a:p>
-        </p:txBody>
-      </p:sp>
-      <p:sp>
-        <p:nvSpPr>
-          <p:cNvPr id="3" name="Subtitle 2">
-            <a:extLst>
-              <a:ext uri="{FF2B5EF4-FFF2-40B4-BE49-F238E27FC236}">
-                <a16:creationId xmlns:a16="http://schemas.microsoft.com/office/drawing/2014/main" id="{8A2F7732-C93F-58A4-0F0A-E693FDBFAE40}"/>
-              </a:ext>
-            </a:extLst>
-          </p:cNvPr>
+            <a:endParaRPr lang="en-US" dirty="0"/>
+          </a:p>
+        </p:txBody>
+      </p:sp>
+      <p:sp>
+        <p:nvSpPr>
+          <p:cNvPr id="3" name="Subtitle 2"/>
           <p:cNvSpPr>
             <a:spLocks noGrp="1"/>
           </p:cNvSpPr>
@@ -234,19 +222,13 @@
               <a:rPr lang="en-GB"/>
               <a:t>Click to edit Master subtitle style</a:t>
             </a:r>
-            <a:endParaRPr lang="en-US"/>
-          </a:p>
-        </p:txBody>
-      </p:sp>
-      <p:sp>
-        <p:nvSpPr>
-          <p:cNvPr id="4" name="Date Placeholder 3">
-            <a:extLst>
-              <a:ext uri="{FF2B5EF4-FFF2-40B4-BE49-F238E27FC236}">
-                <a16:creationId xmlns:a16="http://schemas.microsoft.com/office/drawing/2014/main" id="{A229264B-7A83-A28D-8131-D85D73AF99AF}"/>
-              </a:ext>
-            </a:extLst>
-          </p:cNvPr>
+            <a:endParaRPr lang="en-US" dirty="0"/>
+          </a:p>
+        </p:txBody>
+      </p:sp>
+      <p:sp>
+        <p:nvSpPr>
+          <p:cNvPr id="4" name="Date Placeholder 3"/>
           <p:cNvSpPr>
             <a:spLocks noGrp="1"/>
           </p:cNvSpPr>
@@ -261,7 +243,7 @@
           <a:p>
             <a:fld id="{03FB8AE5-4979-984F-8FD7-52D4A3BB0305}" type="datetimeFigureOut">
               <a:rPr lang="en-US" smtClean="0"/>
-              <a:t>5/30/24</a:t>
+              <a:t>6/6/24</a:t>
             </a:fld>
             <a:endParaRPr lang="en-US"/>
           </a:p>
@@ -269,13 +251,7 @@
       </p:sp>
       <p:sp>
         <p:nvSpPr>
-          <p:cNvPr id="5" name="Footer Placeholder 4">
-            <a:extLst>
-              <a:ext uri="{FF2B5EF4-FFF2-40B4-BE49-F238E27FC236}">
-                <a16:creationId xmlns:a16="http://schemas.microsoft.com/office/drawing/2014/main" id="{0EC941B6-B9F6-C5B0-E8BF-B3A718A8BC86}"/>
-              </a:ext>
-            </a:extLst>
-          </p:cNvPr>
+          <p:cNvPr id="5" name="Footer Placeholder 4"/>
           <p:cNvSpPr>
             <a:spLocks noGrp="1"/>
           </p:cNvSpPr>
@@ -294,13 +270,7 @@
       </p:sp>
       <p:sp>
         <p:nvSpPr>
-          <p:cNvPr id="6" name="Slide Number Placeholder 5">
-            <a:extLst>
-              <a:ext uri="{FF2B5EF4-FFF2-40B4-BE49-F238E27FC236}">
-                <a16:creationId xmlns:a16="http://schemas.microsoft.com/office/drawing/2014/main" id="{A8C3F25B-FD49-8F9E-5788-E7F405D695C1}"/>
-              </a:ext>
-            </a:extLst>
-          </p:cNvPr>
+          <p:cNvPr id="6" name="Slide Number Placeholder 5"/>
           <p:cNvSpPr>
             <a:spLocks noGrp="1"/>
           </p:cNvSpPr>
@@ -324,7 +294,7 @@
     </p:spTree>
     <p:extLst>
       <p:ext uri="{BB962C8B-B14F-4D97-AF65-F5344CB8AC3E}">
-        <p14:creationId xmlns:p14="http://schemas.microsoft.com/office/powerpoint/2010/main" val="1358900308"/>
+        <p14:creationId xmlns:p14="http://schemas.microsoft.com/office/powerpoint/2010/main" val="55636558"/>
       </p:ext>
     </p:extLst>
   </p:cSld>
@@ -353,13 +323,7 @@
       </p:grpSpPr>
       <p:sp>
         <p:nvSpPr>
-          <p:cNvPr id="2" name="Title 1">
-            <a:extLst>
-              <a:ext uri="{FF2B5EF4-FFF2-40B4-BE49-F238E27FC236}">
-                <a16:creationId xmlns:a16="http://schemas.microsoft.com/office/drawing/2014/main" id="{1759BDFF-AB48-1425-3875-4D5AAADAB0BD}"/>
-              </a:ext>
-            </a:extLst>
-          </p:cNvPr>
+          <p:cNvPr id="2" name="Title 1"/>
           <p:cNvSpPr>
             <a:spLocks noGrp="1"/>
           </p:cNvSpPr>
@@ -376,19 +340,13 @@
               <a:rPr lang="en-GB"/>
               <a:t>Click to edit Master title style</a:t>
             </a:r>
-            <a:endParaRPr lang="en-US"/>
-          </a:p>
-        </p:txBody>
-      </p:sp>
-      <p:sp>
-        <p:nvSpPr>
-          <p:cNvPr id="3" name="Vertical Text Placeholder 2">
-            <a:extLst>
-              <a:ext uri="{FF2B5EF4-FFF2-40B4-BE49-F238E27FC236}">
-                <a16:creationId xmlns:a16="http://schemas.microsoft.com/office/drawing/2014/main" id="{DBF38E1B-07DD-09ED-A8BA-201647471DCA}"/>
-              </a:ext>
-            </a:extLst>
-          </p:cNvPr>
+            <a:endParaRPr lang="en-US" dirty="0"/>
+          </a:p>
+        </p:txBody>
+      </p:sp>
+      <p:sp>
+        <p:nvSpPr>
+          <p:cNvPr id="3" name="Vertical Text Placeholder 2"/>
           <p:cNvSpPr>
             <a:spLocks noGrp="1"/>
           </p:cNvSpPr>
@@ -434,19 +392,13 @@
               <a:rPr lang="en-GB"/>
               <a:t>Fifth level</a:t>
             </a:r>
-            <a:endParaRPr lang="en-US"/>
-          </a:p>
-        </p:txBody>
-      </p:sp>
-      <p:sp>
-        <p:nvSpPr>
-          <p:cNvPr id="4" name="Date Placeholder 3">
-            <a:extLst>
-              <a:ext uri="{FF2B5EF4-FFF2-40B4-BE49-F238E27FC236}">
-                <a16:creationId xmlns:a16="http://schemas.microsoft.com/office/drawing/2014/main" id="{89B9FF45-4191-6EB8-F17E-031D245CEF2F}"/>
-              </a:ext>
-            </a:extLst>
-          </p:cNvPr>
+            <a:endParaRPr lang="en-US" dirty="0"/>
+          </a:p>
+        </p:txBody>
+      </p:sp>
+      <p:sp>
+        <p:nvSpPr>
+          <p:cNvPr id="4" name="Date Placeholder 3"/>
           <p:cNvSpPr>
             <a:spLocks noGrp="1"/>
           </p:cNvSpPr>
@@ -461,7 +413,7 @@
           <a:p>
             <a:fld id="{03FB8AE5-4979-984F-8FD7-52D4A3BB0305}" type="datetimeFigureOut">
               <a:rPr lang="en-US" smtClean="0"/>
-              <a:t>5/30/24</a:t>
+              <a:t>6/6/24</a:t>
             </a:fld>
             <a:endParaRPr lang="en-US"/>
           </a:p>
@@ -469,13 +421,7 @@
       </p:sp>
       <p:sp>
         <p:nvSpPr>
-          <p:cNvPr id="5" name="Footer Placeholder 4">
-            <a:extLst>
-              <a:ext uri="{FF2B5EF4-FFF2-40B4-BE49-F238E27FC236}">
-                <a16:creationId xmlns:a16="http://schemas.microsoft.com/office/drawing/2014/main" id="{0300B0B7-F368-CE4F-0563-DD8D1F46B87F}"/>
-              </a:ext>
-            </a:extLst>
-          </p:cNvPr>
+          <p:cNvPr id="5" name="Footer Placeholder 4"/>
           <p:cNvSpPr>
             <a:spLocks noGrp="1"/>
           </p:cNvSpPr>
@@ -494,13 +440,7 @@
       </p:sp>
       <p:sp>
         <p:nvSpPr>
-          <p:cNvPr id="6" name="Slide Number Placeholder 5">
-            <a:extLst>
-              <a:ext uri="{FF2B5EF4-FFF2-40B4-BE49-F238E27FC236}">
-                <a16:creationId xmlns:a16="http://schemas.microsoft.com/office/drawing/2014/main" id="{09E4D2DE-739F-B41F-0F13-107CDEFDC60B}"/>
-              </a:ext>
-            </a:extLst>
-          </p:cNvPr>
+          <p:cNvPr id="6" name="Slide Number Placeholder 5"/>
           <p:cNvSpPr>
             <a:spLocks noGrp="1"/>
           </p:cNvSpPr>
@@ -524,7 +464,7 @@
     </p:spTree>
     <p:extLst>
       <p:ext uri="{BB962C8B-B14F-4D97-AF65-F5344CB8AC3E}">
-        <p14:creationId xmlns:p14="http://schemas.microsoft.com/office/powerpoint/2010/main" val="1160392328"/>
+        <p14:creationId xmlns:p14="http://schemas.microsoft.com/office/powerpoint/2010/main" val="3121795252"/>
       </p:ext>
     </p:extLst>
   </p:cSld>
@@ -553,13 +493,7 @@
       </p:grpSpPr>
       <p:sp>
         <p:nvSpPr>
-          <p:cNvPr id="2" name="Vertical Title 1">
-            <a:extLst>
-              <a:ext uri="{FF2B5EF4-FFF2-40B4-BE49-F238E27FC236}">
-                <a16:creationId xmlns:a16="http://schemas.microsoft.com/office/drawing/2014/main" id="{D41B4914-8C80-9C9A-6C5B-8D32813A3353}"/>
-              </a:ext>
-            </a:extLst>
-          </p:cNvPr>
+          <p:cNvPr id="2" name="Vertical Title 1"/>
           <p:cNvSpPr>
             <a:spLocks noGrp="1"/>
           </p:cNvSpPr>
@@ -581,19 +515,13 @@
               <a:rPr lang="en-GB"/>
               <a:t>Click to edit Master title style</a:t>
             </a:r>
-            <a:endParaRPr lang="en-US"/>
-          </a:p>
-        </p:txBody>
-      </p:sp>
-      <p:sp>
-        <p:nvSpPr>
-          <p:cNvPr id="3" name="Vertical Text Placeholder 2">
-            <a:extLst>
-              <a:ext uri="{FF2B5EF4-FFF2-40B4-BE49-F238E27FC236}">
-                <a16:creationId xmlns:a16="http://schemas.microsoft.com/office/drawing/2014/main" id="{86321959-AC65-F0B6-5794-898D930DB280}"/>
-              </a:ext>
-            </a:extLst>
-          </p:cNvPr>
+            <a:endParaRPr lang="en-US" dirty="0"/>
+          </a:p>
+        </p:txBody>
+      </p:sp>
+      <p:sp>
+        <p:nvSpPr>
+          <p:cNvPr id="3" name="Vertical Text Placeholder 2"/>
           <p:cNvSpPr>
             <a:spLocks noGrp="1"/>
           </p:cNvSpPr>
@@ -644,19 +572,13 @@
               <a:rPr lang="en-GB"/>
               <a:t>Fifth level</a:t>
             </a:r>
-            <a:endParaRPr lang="en-US"/>
-          </a:p>
-        </p:txBody>
-      </p:sp>
-      <p:sp>
-        <p:nvSpPr>
-          <p:cNvPr id="4" name="Date Placeholder 3">
-            <a:extLst>
-              <a:ext uri="{FF2B5EF4-FFF2-40B4-BE49-F238E27FC236}">
-                <a16:creationId xmlns:a16="http://schemas.microsoft.com/office/drawing/2014/main" id="{927E5AAF-EF25-05C9-8E47-9FA5AC40DA81}"/>
-              </a:ext>
-            </a:extLst>
-          </p:cNvPr>
+            <a:endParaRPr lang="en-US" dirty="0"/>
+          </a:p>
+        </p:txBody>
+      </p:sp>
+      <p:sp>
+        <p:nvSpPr>
+          <p:cNvPr id="4" name="Date Placeholder 3"/>
           <p:cNvSpPr>
             <a:spLocks noGrp="1"/>
           </p:cNvSpPr>
@@ -671,7 +593,7 @@
           <a:p>
             <a:fld id="{03FB8AE5-4979-984F-8FD7-52D4A3BB0305}" type="datetimeFigureOut">
               <a:rPr lang="en-US" smtClean="0"/>
-              <a:t>5/30/24</a:t>
+              <a:t>6/6/24</a:t>
             </a:fld>
             <a:endParaRPr lang="en-US"/>
           </a:p>
@@ -679,13 +601,7 @@
       </p:sp>
       <p:sp>
         <p:nvSpPr>
-          <p:cNvPr id="5" name="Footer Placeholder 4">
-            <a:extLst>
-              <a:ext uri="{FF2B5EF4-FFF2-40B4-BE49-F238E27FC236}">
-                <a16:creationId xmlns:a16="http://schemas.microsoft.com/office/drawing/2014/main" id="{B8FE303F-1E26-B2AF-7261-E5F664F754DB}"/>
-              </a:ext>
-            </a:extLst>
-          </p:cNvPr>
+          <p:cNvPr id="5" name="Footer Placeholder 4"/>
           <p:cNvSpPr>
             <a:spLocks noGrp="1"/>
           </p:cNvSpPr>
@@ -704,13 +620,7 @@
       </p:sp>
       <p:sp>
         <p:nvSpPr>
-          <p:cNvPr id="6" name="Slide Number Placeholder 5">
-            <a:extLst>
-              <a:ext uri="{FF2B5EF4-FFF2-40B4-BE49-F238E27FC236}">
-                <a16:creationId xmlns:a16="http://schemas.microsoft.com/office/drawing/2014/main" id="{68E2966A-AAA4-060E-A58D-75BA82B60F8E}"/>
-              </a:ext>
-            </a:extLst>
-          </p:cNvPr>
+          <p:cNvPr id="6" name="Slide Number Placeholder 5"/>
           <p:cNvSpPr>
             <a:spLocks noGrp="1"/>
           </p:cNvSpPr>
@@ -734,7 +644,7 @@
     </p:spTree>
     <p:extLst>
       <p:ext uri="{BB962C8B-B14F-4D97-AF65-F5344CB8AC3E}">
-        <p14:creationId xmlns:p14="http://schemas.microsoft.com/office/powerpoint/2010/main" val="3710053137"/>
+        <p14:creationId xmlns:p14="http://schemas.microsoft.com/office/powerpoint/2010/main" val="3168171667"/>
       </p:ext>
     </p:extLst>
   </p:cSld>
@@ -763,13 +673,7 @@
       </p:grpSpPr>
       <p:sp>
         <p:nvSpPr>
-          <p:cNvPr id="2" name="Title 1">
-            <a:extLst>
-              <a:ext uri="{FF2B5EF4-FFF2-40B4-BE49-F238E27FC236}">
-                <a16:creationId xmlns:a16="http://schemas.microsoft.com/office/drawing/2014/main" id="{A5CFAA86-0FC6-7A27-2217-927875612DA3}"/>
-              </a:ext>
-            </a:extLst>
-          </p:cNvPr>
+          <p:cNvPr id="2" name="Title 1"/>
           <p:cNvSpPr>
             <a:spLocks noGrp="1"/>
           </p:cNvSpPr>
@@ -786,19 +690,13 @@
               <a:rPr lang="en-GB"/>
               <a:t>Click to edit Master title style</a:t>
             </a:r>
-            <a:endParaRPr lang="en-US"/>
-          </a:p>
-        </p:txBody>
-      </p:sp>
-      <p:sp>
-        <p:nvSpPr>
-          <p:cNvPr id="3" name="Content Placeholder 2">
-            <a:extLst>
-              <a:ext uri="{FF2B5EF4-FFF2-40B4-BE49-F238E27FC236}">
-                <a16:creationId xmlns:a16="http://schemas.microsoft.com/office/drawing/2014/main" id="{2DCC3610-74E5-D22A-10A9-7BDE3E9DA36D}"/>
-              </a:ext>
-            </a:extLst>
-          </p:cNvPr>
+            <a:endParaRPr lang="en-US" dirty="0"/>
+          </a:p>
+        </p:txBody>
+      </p:sp>
+      <p:sp>
+        <p:nvSpPr>
+          <p:cNvPr id="3" name="Content Placeholder 2"/>
           <p:cNvSpPr>
             <a:spLocks noGrp="1"/>
           </p:cNvSpPr>
@@ -844,19 +742,13 @@
               <a:rPr lang="en-GB"/>
               <a:t>Fifth level</a:t>
             </a:r>
-            <a:endParaRPr lang="en-US"/>
-          </a:p>
-        </p:txBody>
-      </p:sp>
-      <p:sp>
-        <p:nvSpPr>
-          <p:cNvPr id="4" name="Date Placeholder 3">
-            <a:extLst>
-              <a:ext uri="{FF2B5EF4-FFF2-40B4-BE49-F238E27FC236}">
-                <a16:creationId xmlns:a16="http://schemas.microsoft.com/office/drawing/2014/main" id="{580599ED-935C-8D3C-4A9B-98CC197F5107}"/>
-              </a:ext>
-            </a:extLst>
-          </p:cNvPr>
+            <a:endParaRPr lang="en-US" dirty="0"/>
+          </a:p>
+        </p:txBody>
+      </p:sp>
+      <p:sp>
+        <p:nvSpPr>
+          <p:cNvPr id="4" name="Date Placeholder 3"/>
           <p:cNvSpPr>
             <a:spLocks noGrp="1"/>
           </p:cNvSpPr>
@@ -871,7 +763,7 @@
           <a:p>
             <a:fld id="{03FB8AE5-4979-984F-8FD7-52D4A3BB0305}" type="datetimeFigureOut">
               <a:rPr lang="en-US" smtClean="0"/>
-              <a:t>5/30/24</a:t>
+              <a:t>6/6/24</a:t>
             </a:fld>
             <a:endParaRPr lang="en-US"/>
           </a:p>
@@ -879,13 +771,7 @@
       </p:sp>
       <p:sp>
         <p:nvSpPr>
-          <p:cNvPr id="5" name="Footer Placeholder 4">
-            <a:extLst>
-              <a:ext uri="{FF2B5EF4-FFF2-40B4-BE49-F238E27FC236}">
-                <a16:creationId xmlns:a16="http://schemas.microsoft.com/office/drawing/2014/main" id="{6F7C5F89-6244-2F6B-BA5F-32BE82D6D9BA}"/>
-              </a:ext>
-            </a:extLst>
-          </p:cNvPr>
+          <p:cNvPr id="5" name="Footer Placeholder 4"/>
           <p:cNvSpPr>
             <a:spLocks noGrp="1"/>
           </p:cNvSpPr>
@@ -904,13 +790,7 @@
       </p:sp>
       <p:sp>
         <p:nvSpPr>
-          <p:cNvPr id="6" name="Slide Number Placeholder 5">
-            <a:extLst>
-              <a:ext uri="{FF2B5EF4-FFF2-40B4-BE49-F238E27FC236}">
-                <a16:creationId xmlns:a16="http://schemas.microsoft.com/office/drawing/2014/main" id="{4F793C31-B1A9-141B-5A86-C1E3FBFD4193}"/>
-              </a:ext>
-            </a:extLst>
-          </p:cNvPr>
+          <p:cNvPr id="6" name="Slide Number Placeholder 5"/>
           <p:cNvSpPr>
             <a:spLocks noGrp="1"/>
           </p:cNvSpPr>
@@ -934,7 +814,7 @@
     </p:spTree>
     <p:extLst>
       <p:ext uri="{BB962C8B-B14F-4D97-AF65-F5344CB8AC3E}">
-        <p14:creationId xmlns:p14="http://schemas.microsoft.com/office/powerpoint/2010/main" val="3294912088"/>
+        <p14:creationId xmlns:p14="http://schemas.microsoft.com/office/powerpoint/2010/main" val="3729701072"/>
       </p:ext>
     </p:extLst>
   </p:cSld>
@@ -963,13 +843,7 @@
       </p:grpSpPr>
       <p:sp>
         <p:nvSpPr>
-          <p:cNvPr id="2" name="Title 1">
-            <a:extLst>
-              <a:ext uri="{FF2B5EF4-FFF2-40B4-BE49-F238E27FC236}">
-                <a16:creationId xmlns:a16="http://schemas.microsoft.com/office/drawing/2014/main" id="{1DA6C2F2-299D-58D0-5938-600041E7EC60}"/>
-              </a:ext>
-            </a:extLst>
-          </p:cNvPr>
+          <p:cNvPr id="2" name="Title 1"/>
           <p:cNvSpPr>
             <a:spLocks noGrp="1"/>
           </p:cNvSpPr>
@@ -995,19 +869,13 @@
               <a:rPr lang="en-GB"/>
               <a:t>Click to edit Master title style</a:t>
             </a:r>
-            <a:endParaRPr lang="en-US"/>
-          </a:p>
-        </p:txBody>
-      </p:sp>
-      <p:sp>
-        <p:nvSpPr>
-          <p:cNvPr id="3" name="Text Placeholder 2">
-            <a:extLst>
-              <a:ext uri="{FF2B5EF4-FFF2-40B4-BE49-F238E27FC236}">
-                <a16:creationId xmlns:a16="http://schemas.microsoft.com/office/drawing/2014/main" id="{BC4F3EA8-515B-4DF1-8390-0B99850D893C}"/>
-              </a:ext>
-            </a:extLst>
-          </p:cNvPr>
+            <a:endParaRPr lang="en-US" dirty="0"/>
+          </a:p>
+        </p:txBody>
+      </p:sp>
+      <p:sp>
+        <p:nvSpPr>
+          <p:cNvPr id="3" name="Text Placeholder 2"/>
           <p:cNvSpPr>
             <a:spLocks noGrp="1"/>
           </p:cNvSpPr>
@@ -1029,7 +897,7 @@
               <a:defRPr sz="2400">
                 <a:solidFill>
                   <a:schemeClr val="tx1">
-                    <a:tint val="82000"/>
+                    <a:shade val="82000"/>
                   </a:schemeClr>
                 </a:solidFill>
               </a:defRPr>
@@ -1039,7 +907,7 @@
               <a:defRPr sz="2000">
                 <a:solidFill>
                   <a:schemeClr val="tx1">
-                    <a:tint val="82000"/>
+                    <a:shade val="82000"/>
                   </a:schemeClr>
                 </a:solidFill>
               </a:defRPr>
@@ -1049,7 +917,7 @@
               <a:defRPr sz="1800">
                 <a:solidFill>
                   <a:schemeClr val="tx1">
-                    <a:tint val="82000"/>
+                    <a:shade val="82000"/>
                   </a:schemeClr>
                 </a:solidFill>
               </a:defRPr>
@@ -1059,7 +927,7 @@
               <a:defRPr sz="1600">
                 <a:solidFill>
                   <a:schemeClr val="tx1">
-                    <a:tint val="82000"/>
+                    <a:shade val="82000"/>
                   </a:schemeClr>
                 </a:solidFill>
               </a:defRPr>
@@ -1069,7 +937,7 @@
               <a:defRPr sz="1600">
                 <a:solidFill>
                   <a:schemeClr val="tx1">
-                    <a:tint val="82000"/>
+                    <a:shade val="82000"/>
                   </a:schemeClr>
                 </a:solidFill>
               </a:defRPr>
@@ -1079,7 +947,7 @@
               <a:defRPr sz="1600">
                 <a:solidFill>
                   <a:schemeClr val="tx1">
-                    <a:tint val="82000"/>
+                    <a:shade val="82000"/>
                   </a:schemeClr>
                 </a:solidFill>
               </a:defRPr>
@@ -1089,7 +957,7 @@
               <a:defRPr sz="1600">
                 <a:solidFill>
                   <a:schemeClr val="tx1">
-                    <a:tint val="82000"/>
+                    <a:shade val="82000"/>
                   </a:schemeClr>
                 </a:solidFill>
               </a:defRPr>
@@ -1099,7 +967,7 @@
               <a:defRPr sz="1600">
                 <a:solidFill>
                   <a:schemeClr val="tx1">
-                    <a:tint val="82000"/>
+                    <a:shade val="82000"/>
                   </a:schemeClr>
                 </a:solidFill>
               </a:defRPr>
@@ -1109,7 +977,7 @@
               <a:defRPr sz="1600">
                 <a:solidFill>
                   <a:schemeClr val="tx1">
-                    <a:tint val="82000"/>
+                    <a:shade val="82000"/>
                   </a:schemeClr>
                 </a:solidFill>
               </a:defRPr>
@@ -1126,13 +994,7 @@
       </p:sp>
       <p:sp>
         <p:nvSpPr>
-          <p:cNvPr id="4" name="Date Placeholder 3">
-            <a:extLst>
-              <a:ext uri="{FF2B5EF4-FFF2-40B4-BE49-F238E27FC236}">
-                <a16:creationId xmlns:a16="http://schemas.microsoft.com/office/drawing/2014/main" id="{5FEAF8C9-D0F0-27FD-090B-CFD90CB12FCE}"/>
-              </a:ext>
-            </a:extLst>
-          </p:cNvPr>
+          <p:cNvPr id="4" name="Date Placeholder 3"/>
           <p:cNvSpPr>
             <a:spLocks noGrp="1"/>
           </p:cNvSpPr>
@@ -1147,7 +1009,7 @@
           <a:p>
             <a:fld id="{03FB8AE5-4979-984F-8FD7-52D4A3BB0305}" type="datetimeFigureOut">
               <a:rPr lang="en-US" smtClean="0"/>
-              <a:t>5/30/24</a:t>
+              <a:t>6/6/24</a:t>
             </a:fld>
             <a:endParaRPr lang="en-US"/>
           </a:p>
@@ -1155,13 +1017,7 @@
       </p:sp>
       <p:sp>
         <p:nvSpPr>
-          <p:cNvPr id="5" name="Footer Placeholder 4">
-            <a:extLst>
-              <a:ext uri="{FF2B5EF4-FFF2-40B4-BE49-F238E27FC236}">
-                <a16:creationId xmlns:a16="http://schemas.microsoft.com/office/drawing/2014/main" id="{2D33F42F-63BF-279C-7E39-E565E92E301E}"/>
-              </a:ext>
-            </a:extLst>
-          </p:cNvPr>
+          <p:cNvPr id="5" name="Footer Placeholder 4"/>
           <p:cNvSpPr>
             <a:spLocks noGrp="1"/>
           </p:cNvSpPr>
@@ -1180,13 +1036,7 @@
       </p:sp>
       <p:sp>
         <p:nvSpPr>
-          <p:cNvPr id="6" name="Slide Number Placeholder 5">
-            <a:extLst>
-              <a:ext uri="{FF2B5EF4-FFF2-40B4-BE49-F238E27FC236}">
-                <a16:creationId xmlns:a16="http://schemas.microsoft.com/office/drawing/2014/main" id="{F0618128-C205-A073-EF3A-D7241F213705}"/>
-              </a:ext>
-            </a:extLst>
-          </p:cNvPr>
+          <p:cNvPr id="6" name="Slide Number Placeholder 5"/>
           <p:cNvSpPr>
             <a:spLocks noGrp="1"/>
           </p:cNvSpPr>
@@ -1210,7 +1060,7 @@
     </p:spTree>
     <p:extLst>
       <p:ext uri="{BB962C8B-B14F-4D97-AF65-F5344CB8AC3E}">
-        <p14:creationId xmlns:p14="http://schemas.microsoft.com/office/powerpoint/2010/main" val="2375510730"/>
+        <p14:creationId xmlns:p14="http://schemas.microsoft.com/office/powerpoint/2010/main" val="1342910023"/>
       </p:ext>
     </p:extLst>
   </p:cSld>
@@ -1239,13 +1089,7 @@
       </p:grpSpPr>
       <p:sp>
         <p:nvSpPr>
-          <p:cNvPr id="2" name="Title 1">
-            <a:extLst>
-              <a:ext uri="{FF2B5EF4-FFF2-40B4-BE49-F238E27FC236}">
-                <a16:creationId xmlns:a16="http://schemas.microsoft.com/office/drawing/2014/main" id="{A1430853-4289-F1FE-B8FE-307DDA7EC4FD}"/>
-              </a:ext>
-            </a:extLst>
-          </p:cNvPr>
+          <p:cNvPr id="2" name="Title 1"/>
           <p:cNvSpPr>
             <a:spLocks noGrp="1"/>
           </p:cNvSpPr>
@@ -1262,19 +1106,13 @@
               <a:rPr lang="en-GB"/>
               <a:t>Click to edit Master title style</a:t>
             </a:r>
-            <a:endParaRPr lang="en-US"/>
-          </a:p>
-        </p:txBody>
-      </p:sp>
-      <p:sp>
-        <p:nvSpPr>
-          <p:cNvPr id="3" name="Content Placeholder 2">
-            <a:extLst>
-              <a:ext uri="{FF2B5EF4-FFF2-40B4-BE49-F238E27FC236}">
-                <a16:creationId xmlns:a16="http://schemas.microsoft.com/office/drawing/2014/main" id="{FC48AE09-BC1B-BDBC-9F70-7C3B72396F21}"/>
-              </a:ext>
-            </a:extLst>
-          </p:cNvPr>
+            <a:endParaRPr lang="en-US" dirty="0"/>
+          </a:p>
+        </p:txBody>
+      </p:sp>
+      <p:sp>
+        <p:nvSpPr>
+          <p:cNvPr id="3" name="Content Placeholder 2"/>
           <p:cNvSpPr>
             <a:spLocks noGrp="1"/>
           </p:cNvSpPr>
@@ -1325,19 +1163,13 @@
               <a:rPr lang="en-GB"/>
               <a:t>Fifth level</a:t>
             </a:r>
-            <a:endParaRPr lang="en-US"/>
-          </a:p>
-        </p:txBody>
-      </p:sp>
-      <p:sp>
-        <p:nvSpPr>
-          <p:cNvPr id="4" name="Content Placeholder 3">
-            <a:extLst>
-              <a:ext uri="{FF2B5EF4-FFF2-40B4-BE49-F238E27FC236}">
-                <a16:creationId xmlns:a16="http://schemas.microsoft.com/office/drawing/2014/main" id="{D5609F50-649B-0E9F-453F-E89B24C099F1}"/>
-              </a:ext>
-            </a:extLst>
-          </p:cNvPr>
+            <a:endParaRPr lang="en-US" dirty="0"/>
+          </a:p>
+        </p:txBody>
+      </p:sp>
+      <p:sp>
+        <p:nvSpPr>
+          <p:cNvPr id="4" name="Content Placeholder 3"/>
           <p:cNvSpPr>
             <a:spLocks noGrp="1"/>
           </p:cNvSpPr>
@@ -1388,19 +1220,13 @@
               <a:rPr lang="en-GB"/>
               <a:t>Fifth level</a:t>
             </a:r>
-            <a:endParaRPr lang="en-US"/>
-          </a:p>
-        </p:txBody>
-      </p:sp>
-      <p:sp>
-        <p:nvSpPr>
-          <p:cNvPr id="5" name="Date Placeholder 4">
-            <a:extLst>
-              <a:ext uri="{FF2B5EF4-FFF2-40B4-BE49-F238E27FC236}">
-                <a16:creationId xmlns:a16="http://schemas.microsoft.com/office/drawing/2014/main" id="{8C6A491D-1C74-72B2-DE16-851205D071A0}"/>
-              </a:ext>
-            </a:extLst>
-          </p:cNvPr>
+            <a:endParaRPr lang="en-US" dirty="0"/>
+          </a:p>
+        </p:txBody>
+      </p:sp>
+      <p:sp>
+        <p:nvSpPr>
+          <p:cNvPr id="5" name="Date Placeholder 4"/>
           <p:cNvSpPr>
             <a:spLocks noGrp="1"/>
           </p:cNvSpPr>
@@ -1415,7 +1241,7 @@
           <a:p>
             <a:fld id="{03FB8AE5-4979-984F-8FD7-52D4A3BB0305}" type="datetimeFigureOut">
               <a:rPr lang="en-US" smtClean="0"/>
-              <a:t>5/30/24</a:t>
+              <a:t>6/6/24</a:t>
             </a:fld>
             <a:endParaRPr lang="en-US"/>
           </a:p>
@@ -1423,13 +1249,7 @@
       </p:sp>
       <p:sp>
         <p:nvSpPr>
-          <p:cNvPr id="6" name="Footer Placeholder 5">
-            <a:extLst>
-              <a:ext uri="{FF2B5EF4-FFF2-40B4-BE49-F238E27FC236}">
-                <a16:creationId xmlns:a16="http://schemas.microsoft.com/office/drawing/2014/main" id="{C2F8B899-177A-771C-1A37-D086ED2DEE7C}"/>
-              </a:ext>
-            </a:extLst>
-          </p:cNvPr>
+          <p:cNvPr id="6" name="Footer Placeholder 5"/>
           <p:cNvSpPr>
             <a:spLocks noGrp="1"/>
           </p:cNvSpPr>
@@ -1448,13 +1268,7 @@
       </p:sp>
       <p:sp>
         <p:nvSpPr>
-          <p:cNvPr id="7" name="Slide Number Placeholder 6">
-            <a:extLst>
-              <a:ext uri="{FF2B5EF4-FFF2-40B4-BE49-F238E27FC236}">
-                <a16:creationId xmlns:a16="http://schemas.microsoft.com/office/drawing/2014/main" id="{324E4AA5-D579-D3FF-9DB6-33890E2C6345}"/>
-              </a:ext>
-            </a:extLst>
-          </p:cNvPr>
+          <p:cNvPr id="7" name="Slide Number Placeholder 6"/>
           <p:cNvSpPr>
             <a:spLocks noGrp="1"/>
           </p:cNvSpPr>
@@ -1478,7 +1292,7 @@
     </p:spTree>
     <p:extLst>
       <p:ext uri="{BB962C8B-B14F-4D97-AF65-F5344CB8AC3E}">
-        <p14:creationId xmlns:p14="http://schemas.microsoft.com/office/powerpoint/2010/main" val="507998076"/>
+        <p14:creationId xmlns:p14="http://schemas.microsoft.com/office/powerpoint/2010/main" val="1993553065"/>
       </p:ext>
     </p:extLst>
   </p:cSld>
@@ -1507,13 +1321,7 @@
       </p:grpSpPr>
       <p:sp>
         <p:nvSpPr>
-          <p:cNvPr id="2" name="Title 1">
-            <a:extLst>
-              <a:ext uri="{FF2B5EF4-FFF2-40B4-BE49-F238E27FC236}">
-                <a16:creationId xmlns:a16="http://schemas.microsoft.com/office/drawing/2014/main" id="{5783A8E4-DB89-6CE5-E461-E5E795A93168}"/>
-              </a:ext>
-            </a:extLst>
-          </p:cNvPr>
+          <p:cNvPr id="2" name="Title 1"/>
           <p:cNvSpPr>
             <a:spLocks noGrp="1"/>
           </p:cNvSpPr>
@@ -1535,19 +1343,13 @@
               <a:rPr lang="en-GB"/>
               <a:t>Click to edit Master title style</a:t>
             </a:r>
-            <a:endParaRPr lang="en-US"/>
-          </a:p>
-        </p:txBody>
-      </p:sp>
-      <p:sp>
-        <p:nvSpPr>
-          <p:cNvPr id="3" name="Text Placeholder 2">
-            <a:extLst>
-              <a:ext uri="{FF2B5EF4-FFF2-40B4-BE49-F238E27FC236}">
-                <a16:creationId xmlns:a16="http://schemas.microsoft.com/office/drawing/2014/main" id="{740964A5-CAC0-9177-25D0-2ADBBEB5891D}"/>
-              </a:ext>
-            </a:extLst>
-          </p:cNvPr>
+            <a:endParaRPr lang="en-US" dirty="0"/>
+          </a:p>
+        </p:txBody>
+      </p:sp>
+      <p:sp>
+        <p:nvSpPr>
+          <p:cNvPr id="3" name="Text Placeholder 2"/>
           <p:cNvSpPr>
             <a:spLocks noGrp="1"/>
           </p:cNvSpPr>
@@ -1612,13 +1414,7 @@
       </p:sp>
       <p:sp>
         <p:nvSpPr>
-          <p:cNvPr id="4" name="Content Placeholder 3">
-            <a:extLst>
-              <a:ext uri="{FF2B5EF4-FFF2-40B4-BE49-F238E27FC236}">
-                <a16:creationId xmlns:a16="http://schemas.microsoft.com/office/drawing/2014/main" id="{FDF4822D-D852-EFF0-C870-3E167AB3C5A5}"/>
-              </a:ext>
-            </a:extLst>
-          </p:cNvPr>
+          <p:cNvPr id="4" name="Content Placeholder 3"/>
           <p:cNvSpPr>
             <a:spLocks noGrp="1"/>
           </p:cNvSpPr>
@@ -1669,19 +1465,13 @@
               <a:rPr lang="en-GB"/>
               <a:t>Fifth level</a:t>
             </a:r>
-            <a:endParaRPr lang="en-US"/>
-          </a:p>
-        </p:txBody>
-      </p:sp>
-      <p:sp>
-        <p:nvSpPr>
-          <p:cNvPr id="5" name="Text Placeholder 4">
-            <a:extLst>
-              <a:ext uri="{FF2B5EF4-FFF2-40B4-BE49-F238E27FC236}">
-                <a16:creationId xmlns:a16="http://schemas.microsoft.com/office/drawing/2014/main" id="{FC633515-2196-9B29-C80B-0BB954F4F346}"/>
-              </a:ext>
-            </a:extLst>
-          </p:cNvPr>
+            <a:endParaRPr lang="en-US" dirty="0"/>
+          </a:p>
+        </p:txBody>
+      </p:sp>
+      <p:sp>
+        <p:nvSpPr>
+          <p:cNvPr id="5" name="Text Placeholder 4"/>
           <p:cNvSpPr>
             <a:spLocks noGrp="1"/>
           </p:cNvSpPr>
@@ -1746,13 +1536,7 @@
       </p:sp>
       <p:sp>
         <p:nvSpPr>
-          <p:cNvPr id="6" name="Content Placeholder 5">
-            <a:extLst>
-              <a:ext uri="{FF2B5EF4-FFF2-40B4-BE49-F238E27FC236}">
-                <a16:creationId xmlns:a16="http://schemas.microsoft.com/office/drawing/2014/main" id="{CC5BE0EF-0DF8-5217-FF12-A78DBF8092A3}"/>
-              </a:ext>
-            </a:extLst>
-          </p:cNvPr>
+          <p:cNvPr id="6" name="Content Placeholder 5"/>
           <p:cNvSpPr>
             <a:spLocks noGrp="1"/>
           </p:cNvSpPr>
@@ -1803,19 +1587,13 @@
               <a:rPr lang="en-GB"/>
               <a:t>Fifth level</a:t>
             </a:r>
-            <a:endParaRPr lang="en-US"/>
-          </a:p>
-        </p:txBody>
-      </p:sp>
-      <p:sp>
-        <p:nvSpPr>
-          <p:cNvPr id="7" name="Date Placeholder 6">
-            <a:extLst>
-              <a:ext uri="{FF2B5EF4-FFF2-40B4-BE49-F238E27FC236}">
-                <a16:creationId xmlns:a16="http://schemas.microsoft.com/office/drawing/2014/main" id="{90FFDA52-6F68-8B3D-E0B9-79117E01FEE2}"/>
-              </a:ext>
-            </a:extLst>
-          </p:cNvPr>
+            <a:endParaRPr lang="en-US" dirty="0"/>
+          </a:p>
+        </p:txBody>
+      </p:sp>
+      <p:sp>
+        <p:nvSpPr>
+          <p:cNvPr id="7" name="Date Placeholder 6"/>
           <p:cNvSpPr>
             <a:spLocks noGrp="1"/>
           </p:cNvSpPr>
@@ -1830,7 +1608,7 @@
           <a:p>
             <a:fld id="{03FB8AE5-4979-984F-8FD7-52D4A3BB0305}" type="datetimeFigureOut">
               <a:rPr lang="en-US" smtClean="0"/>
-              <a:t>5/30/24</a:t>
+              <a:t>6/6/24</a:t>
             </a:fld>
             <a:endParaRPr lang="en-US"/>
           </a:p>
@@ -1838,13 +1616,7 @@
       </p:sp>
       <p:sp>
         <p:nvSpPr>
-          <p:cNvPr id="8" name="Footer Placeholder 7">
-            <a:extLst>
-              <a:ext uri="{FF2B5EF4-FFF2-40B4-BE49-F238E27FC236}">
-                <a16:creationId xmlns:a16="http://schemas.microsoft.com/office/drawing/2014/main" id="{C3DF509F-C531-23CB-1759-926C37BE9B72}"/>
-              </a:ext>
-            </a:extLst>
-          </p:cNvPr>
+          <p:cNvPr id="8" name="Footer Placeholder 7"/>
           <p:cNvSpPr>
             <a:spLocks noGrp="1"/>
           </p:cNvSpPr>
@@ -1863,13 +1635,7 @@
       </p:sp>
       <p:sp>
         <p:nvSpPr>
-          <p:cNvPr id="9" name="Slide Number Placeholder 8">
-            <a:extLst>
-              <a:ext uri="{FF2B5EF4-FFF2-40B4-BE49-F238E27FC236}">
-                <a16:creationId xmlns:a16="http://schemas.microsoft.com/office/drawing/2014/main" id="{F9AC2F44-B7F0-CA92-A3C5-35987BC61607}"/>
-              </a:ext>
-            </a:extLst>
-          </p:cNvPr>
+          <p:cNvPr id="9" name="Slide Number Placeholder 8"/>
           <p:cNvSpPr>
             <a:spLocks noGrp="1"/>
           </p:cNvSpPr>
@@ -1893,7 +1659,7 @@
     </p:spTree>
     <p:extLst>
       <p:ext uri="{BB962C8B-B14F-4D97-AF65-F5344CB8AC3E}">
-        <p14:creationId xmlns:p14="http://schemas.microsoft.com/office/powerpoint/2010/main" val="3627807700"/>
+        <p14:creationId xmlns:p14="http://schemas.microsoft.com/office/powerpoint/2010/main" val="245398763"/>
       </p:ext>
     </p:extLst>
   </p:cSld>
@@ -1922,13 +1688,7 @@
       </p:grpSpPr>
       <p:sp>
         <p:nvSpPr>
-          <p:cNvPr id="2" name="Title 1">
-            <a:extLst>
-              <a:ext uri="{FF2B5EF4-FFF2-40B4-BE49-F238E27FC236}">
-                <a16:creationId xmlns:a16="http://schemas.microsoft.com/office/drawing/2014/main" id="{D8E50261-3C70-845E-723D-15297053A824}"/>
-              </a:ext>
-            </a:extLst>
-          </p:cNvPr>
+          <p:cNvPr id="2" name="Title 1"/>
           <p:cNvSpPr>
             <a:spLocks noGrp="1"/>
           </p:cNvSpPr>
@@ -1945,19 +1705,13 @@
               <a:rPr lang="en-GB"/>
               <a:t>Click to edit Master title style</a:t>
             </a:r>
-            <a:endParaRPr lang="en-US"/>
-          </a:p>
-        </p:txBody>
-      </p:sp>
-      <p:sp>
-        <p:nvSpPr>
-          <p:cNvPr id="3" name="Date Placeholder 2">
-            <a:extLst>
-              <a:ext uri="{FF2B5EF4-FFF2-40B4-BE49-F238E27FC236}">
-                <a16:creationId xmlns:a16="http://schemas.microsoft.com/office/drawing/2014/main" id="{DAC2FF91-880E-4CBB-BD1A-04DD66075E66}"/>
-              </a:ext>
-            </a:extLst>
-          </p:cNvPr>
+            <a:endParaRPr lang="en-US" dirty="0"/>
+          </a:p>
+        </p:txBody>
+      </p:sp>
+      <p:sp>
+        <p:nvSpPr>
+          <p:cNvPr id="3" name="Date Placeholder 2"/>
           <p:cNvSpPr>
             <a:spLocks noGrp="1"/>
           </p:cNvSpPr>
@@ -1972,7 +1726,7 @@
           <a:p>
             <a:fld id="{03FB8AE5-4979-984F-8FD7-52D4A3BB0305}" type="datetimeFigureOut">
               <a:rPr lang="en-US" smtClean="0"/>
-              <a:t>5/30/24</a:t>
+              <a:t>6/6/24</a:t>
             </a:fld>
             <a:endParaRPr lang="en-US"/>
           </a:p>
@@ -1980,13 +1734,7 @@
       </p:sp>
       <p:sp>
         <p:nvSpPr>
-          <p:cNvPr id="4" name="Footer Placeholder 3">
-            <a:extLst>
-              <a:ext uri="{FF2B5EF4-FFF2-40B4-BE49-F238E27FC236}">
-                <a16:creationId xmlns:a16="http://schemas.microsoft.com/office/drawing/2014/main" id="{74BBB682-6DA7-85F6-1C02-0FA282B2FF2A}"/>
-              </a:ext>
-            </a:extLst>
-          </p:cNvPr>
+          <p:cNvPr id="4" name="Footer Placeholder 3"/>
           <p:cNvSpPr>
             <a:spLocks noGrp="1"/>
           </p:cNvSpPr>
@@ -2005,13 +1753,7 @@
       </p:sp>
       <p:sp>
         <p:nvSpPr>
-          <p:cNvPr id="5" name="Slide Number Placeholder 4">
-            <a:extLst>
-              <a:ext uri="{FF2B5EF4-FFF2-40B4-BE49-F238E27FC236}">
-                <a16:creationId xmlns:a16="http://schemas.microsoft.com/office/drawing/2014/main" id="{7830B18C-AA15-01DB-A898-98B8024A5BF3}"/>
-              </a:ext>
-            </a:extLst>
-          </p:cNvPr>
+          <p:cNvPr id="5" name="Slide Number Placeholder 4"/>
           <p:cNvSpPr>
             <a:spLocks noGrp="1"/>
           </p:cNvSpPr>
@@ -2035,7 +1777,7 @@
     </p:spTree>
     <p:extLst>
       <p:ext uri="{BB962C8B-B14F-4D97-AF65-F5344CB8AC3E}">
-        <p14:creationId xmlns:p14="http://schemas.microsoft.com/office/powerpoint/2010/main" val="113389180"/>
+        <p14:creationId xmlns:p14="http://schemas.microsoft.com/office/powerpoint/2010/main" val="2514532425"/>
       </p:ext>
     </p:extLst>
   </p:cSld>
@@ -2064,13 +1806,7 @@
       </p:grpSpPr>
       <p:sp>
         <p:nvSpPr>
-          <p:cNvPr id="2" name="Date Placeholder 1">
-            <a:extLst>
-              <a:ext uri="{FF2B5EF4-FFF2-40B4-BE49-F238E27FC236}">
-                <a16:creationId xmlns:a16="http://schemas.microsoft.com/office/drawing/2014/main" id="{411D7FBC-4439-2728-AEC8-F5557F09B066}"/>
-              </a:ext>
-            </a:extLst>
-          </p:cNvPr>
+          <p:cNvPr id="2" name="Date Placeholder 1"/>
           <p:cNvSpPr>
             <a:spLocks noGrp="1"/>
           </p:cNvSpPr>
@@ -2085,7 +1821,7 @@
           <a:p>
             <a:fld id="{03FB8AE5-4979-984F-8FD7-52D4A3BB0305}" type="datetimeFigureOut">
               <a:rPr lang="en-US" smtClean="0"/>
-              <a:t>5/30/24</a:t>
+              <a:t>6/6/24</a:t>
             </a:fld>
             <a:endParaRPr lang="en-US"/>
           </a:p>
@@ -2093,13 +1829,7 @@
       </p:sp>
       <p:sp>
         <p:nvSpPr>
-          <p:cNvPr id="3" name="Footer Placeholder 2">
-            <a:extLst>
-              <a:ext uri="{FF2B5EF4-FFF2-40B4-BE49-F238E27FC236}">
-                <a16:creationId xmlns:a16="http://schemas.microsoft.com/office/drawing/2014/main" id="{35DD362C-6786-A398-D5F0-400024ADBE6D}"/>
-              </a:ext>
-            </a:extLst>
-          </p:cNvPr>
+          <p:cNvPr id="3" name="Footer Placeholder 2"/>
           <p:cNvSpPr>
             <a:spLocks noGrp="1"/>
           </p:cNvSpPr>
@@ -2118,13 +1848,7 @@
       </p:sp>
       <p:sp>
         <p:nvSpPr>
-          <p:cNvPr id="4" name="Slide Number Placeholder 3">
-            <a:extLst>
-              <a:ext uri="{FF2B5EF4-FFF2-40B4-BE49-F238E27FC236}">
-                <a16:creationId xmlns:a16="http://schemas.microsoft.com/office/drawing/2014/main" id="{903BD60F-5883-D599-DB3A-CBFBBB9B7805}"/>
-              </a:ext>
-            </a:extLst>
-          </p:cNvPr>
+          <p:cNvPr id="4" name="Slide Number Placeholder 3"/>
           <p:cNvSpPr>
             <a:spLocks noGrp="1"/>
           </p:cNvSpPr>
@@ -2148,7 +1872,7 @@
     </p:spTree>
     <p:extLst>
       <p:ext uri="{BB962C8B-B14F-4D97-AF65-F5344CB8AC3E}">
-        <p14:creationId xmlns:p14="http://schemas.microsoft.com/office/powerpoint/2010/main" val="1338158322"/>
+        <p14:creationId xmlns:p14="http://schemas.microsoft.com/office/powerpoint/2010/main" val="232449762"/>
       </p:ext>
     </p:extLst>
   </p:cSld>
@@ -2177,13 +1901,7 @@
       </p:grpSpPr>
       <p:sp>
         <p:nvSpPr>
-          <p:cNvPr id="2" name="Title 1">
-            <a:extLst>
-              <a:ext uri="{FF2B5EF4-FFF2-40B4-BE49-F238E27FC236}">
-                <a16:creationId xmlns:a16="http://schemas.microsoft.com/office/drawing/2014/main" id="{162E5D80-F14D-9A9D-64D7-EB2C936A509F}"/>
-              </a:ext>
-            </a:extLst>
-          </p:cNvPr>
+          <p:cNvPr id="2" name="Title 1"/>
           <p:cNvSpPr>
             <a:spLocks noGrp="1"/>
           </p:cNvSpPr>
@@ -2209,19 +1927,13 @@
               <a:rPr lang="en-GB"/>
               <a:t>Click to edit Master title style</a:t>
             </a:r>
-            <a:endParaRPr lang="en-US"/>
-          </a:p>
-        </p:txBody>
-      </p:sp>
-      <p:sp>
-        <p:nvSpPr>
-          <p:cNvPr id="3" name="Content Placeholder 2">
-            <a:extLst>
-              <a:ext uri="{FF2B5EF4-FFF2-40B4-BE49-F238E27FC236}">
-                <a16:creationId xmlns:a16="http://schemas.microsoft.com/office/drawing/2014/main" id="{FD2A4A54-705C-637A-E320-492C541F382D}"/>
-              </a:ext>
-            </a:extLst>
-          </p:cNvPr>
+            <a:endParaRPr lang="en-US" dirty="0"/>
+          </a:p>
+        </p:txBody>
+      </p:sp>
+      <p:sp>
+        <p:nvSpPr>
+          <p:cNvPr id="3" name="Content Placeholder 2"/>
           <p:cNvSpPr>
             <a:spLocks noGrp="1"/>
           </p:cNvSpPr>
@@ -2300,19 +2012,13 @@
               <a:rPr lang="en-GB"/>
               <a:t>Fifth level</a:t>
             </a:r>
-            <a:endParaRPr lang="en-US"/>
-          </a:p>
-        </p:txBody>
-      </p:sp>
-      <p:sp>
-        <p:nvSpPr>
-          <p:cNvPr id="4" name="Text Placeholder 3">
-            <a:extLst>
-              <a:ext uri="{FF2B5EF4-FFF2-40B4-BE49-F238E27FC236}">
-                <a16:creationId xmlns:a16="http://schemas.microsoft.com/office/drawing/2014/main" id="{79BFC1E1-274E-8F4A-5FF4-E52035457025}"/>
-              </a:ext>
-            </a:extLst>
-          </p:cNvPr>
+            <a:endParaRPr lang="en-US" dirty="0"/>
+          </a:p>
+        </p:txBody>
+      </p:sp>
+      <p:sp>
+        <p:nvSpPr>
+          <p:cNvPr id="4" name="Text Placeholder 3"/>
           <p:cNvSpPr>
             <a:spLocks noGrp="1"/>
           </p:cNvSpPr>
@@ -2377,13 +2083,7 @@
       </p:sp>
       <p:sp>
         <p:nvSpPr>
-          <p:cNvPr id="5" name="Date Placeholder 4">
-            <a:extLst>
-              <a:ext uri="{FF2B5EF4-FFF2-40B4-BE49-F238E27FC236}">
-                <a16:creationId xmlns:a16="http://schemas.microsoft.com/office/drawing/2014/main" id="{E73D539F-9290-BE16-C697-3B5E5470A28B}"/>
-              </a:ext>
-            </a:extLst>
-          </p:cNvPr>
+          <p:cNvPr id="5" name="Date Placeholder 4"/>
           <p:cNvSpPr>
             <a:spLocks noGrp="1"/>
           </p:cNvSpPr>
@@ -2398,7 +2098,7 @@
           <a:p>
             <a:fld id="{03FB8AE5-4979-984F-8FD7-52D4A3BB0305}" type="datetimeFigureOut">
               <a:rPr lang="en-US" smtClean="0"/>
-              <a:t>5/30/24</a:t>
+              <a:t>6/6/24</a:t>
             </a:fld>
             <a:endParaRPr lang="en-US"/>
           </a:p>
@@ -2406,13 +2106,7 @@
       </p:sp>
       <p:sp>
         <p:nvSpPr>
-          <p:cNvPr id="6" name="Footer Placeholder 5">
-            <a:extLst>
-              <a:ext uri="{FF2B5EF4-FFF2-40B4-BE49-F238E27FC236}">
-                <a16:creationId xmlns:a16="http://schemas.microsoft.com/office/drawing/2014/main" id="{EF47C3F9-260C-AE5D-54CC-8C5A467CA4F8}"/>
-              </a:ext>
-            </a:extLst>
-          </p:cNvPr>
+          <p:cNvPr id="6" name="Footer Placeholder 5"/>
           <p:cNvSpPr>
             <a:spLocks noGrp="1"/>
           </p:cNvSpPr>
@@ -2431,13 +2125,7 @@
       </p:sp>
       <p:sp>
         <p:nvSpPr>
-          <p:cNvPr id="7" name="Slide Number Placeholder 6">
-            <a:extLst>
-              <a:ext uri="{FF2B5EF4-FFF2-40B4-BE49-F238E27FC236}">
-                <a16:creationId xmlns:a16="http://schemas.microsoft.com/office/drawing/2014/main" id="{8058A783-2449-A10E-FE9A-F1608420C9D7}"/>
-              </a:ext>
-            </a:extLst>
-          </p:cNvPr>
+          <p:cNvPr id="7" name="Slide Number Placeholder 6"/>
           <p:cNvSpPr>
             <a:spLocks noGrp="1"/>
           </p:cNvSpPr>
@@ -2461,7 +2149,7 @@
     </p:spTree>
     <p:extLst>
       <p:ext uri="{BB962C8B-B14F-4D97-AF65-F5344CB8AC3E}">
-        <p14:creationId xmlns:p14="http://schemas.microsoft.com/office/powerpoint/2010/main" val="2516420790"/>
+        <p14:creationId xmlns:p14="http://schemas.microsoft.com/office/powerpoint/2010/main" val="2739062433"/>
       </p:ext>
     </p:extLst>
   </p:cSld>
@@ -2490,13 +2178,7 @@
       </p:grpSpPr>
       <p:sp>
         <p:nvSpPr>
-          <p:cNvPr id="2" name="Title 1">
-            <a:extLst>
-              <a:ext uri="{FF2B5EF4-FFF2-40B4-BE49-F238E27FC236}">
-                <a16:creationId xmlns:a16="http://schemas.microsoft.com/office/drawing/2014/main" id="{1BF4785E-5D63-59EA-8DD3-02DF9280E866}"/>
-              </a:ext>
-            </a:extLst>
-          </p:cNvPr>
+          <p:cNvPr id="2" name="Title 1"/>
           <p:cNvSpPr>
             <a:spLocks noGrp="1"/>
           </p:cNvSpPr>
@@ -2522,21 +2204,15 @@
               <a:rPr lang="en-GB"/>
               <a:t>Click to edit Master title style</a:t>
             </a:r>
-            <a:endParaRPr lang="en-US"/>
-          </a:p>
-        </p:txBody>
-      </p:sp>
-      <p:sp>
-        <p:nvSpPr>
-          <p:cNvPr id="3" name="Picture Placeholder 2">
-            <a:extLst>
-              <a:ext uri="{FF2B5EF4-FFF2-40B4-BE49-F238E27FC236}">
-                <a16:creationId xmlns:a16="http://schemas.microsoft.com/office/drawing/2014/main" id="{5F586074-2069-2925-F4A1-EC74CCEF83E2}"/>
-              </a:ext>
-            </a:extLst>
-          </p:cNvPr>
-          <p:cNvSpPr>
-            <a:spLocks noGrp="1"/>
+            <a:endParaRPr lang="en-US" dirty="0"/>
+          </a:p>
+        </p:txBody>
+      </p:sp>
+      <p:sp>
+        <p:nvSpPr>
+          <p:cNvPr id="3" name="Picture Placeholder 2"/>
+          <p:cNvSpPr>
+            <a:spLocks noGrp="1" noChangeAspect="1"/>
           </p:cNvSpPr>
           <p:nvPr>
             <p:ph type="pic" idx="1"/>
@@ -2549,7 +2225,7 @@
           </a:xfrm>
         </p:spPr>
         <p:txBody>
-          <a:bodyPr/>
+          <a:bodyPr anchor="t"/>
           <a:lstStyle>
             <a:lvl1pPr marL="0" indent="0">
               <a:buNone/>
@@ -2589,19 +2265,17 @@
             </a:lvl9pPr>
           </a:lstStyle>
           <a:p>
-            <a:endParaRPr lang="en-US"/>
-          </a:p>
-        </p:txBody>
-      </p:sp>
-      <p:sp>
-        <p:nvSpPr>
-          <p:cNvPr id="4" name="Text Placeholder 3">
-            <a:extLst>
-              <a:ext uri="{FF2B5EF4-FFF2-40B4-BE49-F238E27FC236}">
-                <a16:creationId xmlns:a16="http://schemas.microsoft.com/office/drawing/2014/main" id="{6ABAEA79-F7B7-38D4-AA3C-E5CBEB25D396}"/>
-              </a:ext>
-            </a:extLst>
-          </p:cNvPr>
+            <a:r>
+              <a:rPr lang="en-GB"/>
+              <a:t>Click icon to add picture</a:t>
+            </a:r>
+            <a:endParaRPr lang="en-US" dirty="0"/>
+          </a:p>
+        </p:txBody>
+      </p:sp>
+      <p:sp>
+        <p:nvSpPr>
+          <p:cNvPr id="4" name="Text Placeholder 3"/>
           <p:cNvSpPr>
             <a:spLocks noGrp="1"/>
           </p:cNvSpPr>
@@ -2666,13 +2340,7 @@
       </p:sp>
       <p:sp>
         <p:nvSpPr>
-          <p:cNvPr id="5" name="Date Placeholder 4">
-            <a:extLst>
-              <a:ext uri="{FF2B5EF4-FFF2-40B4-BE49-F238E27FC236}">
-                <a16:creationId xmlns:a16="http://schemas.microsoft.com/office/drawing/2014/main" id="{DA75DF38-823F-1F4A-57E9-EBF792C469EF}"/>
-              </a:ext>
-            </a:extLst>
-          </p:cNvPr>
+          <p:cNvPr id="5" name="Date Placeholder 4"/>
           <p:cNvSpPr>
             <a:spLocks noGrp="1"/>
           </p:cNvSpPr>
@@ -2687,7 +2355,7 @@
           <a:p>
             <a:fld id="{03FB8AE5-4979-984F-8FD7-52D4A3BB0305}" type="datetimeFigureOut">
               <a:rPr lang="en-US" smtClean="0"/>
-              <a:t>5/30/24</a:t>
+              <a:t>6/6/24</a:t>
             </a:fld>
             <a:endParaRPr lang="en-US"/>
           </a:p>
@@ -2695,13 +2363,7 @@
       </p:sp>
       <p:sp>
         <p:nvSpPr>
-          <p:cNvPr id="6" name="Footer Placeholder 5">
-            <a:extLst>
-              <a:ext uri="{FF2B5EF4-FFF2-40B4-BE49-F238E27FC236}">
-                <a16:creationId xmlns:a16="http://schemas.microsoft.com/office/drawing/2014/main" id="{D857CA21-7F96-F4EB-A7D7-CAE1D05D8D8A}"/>
-              </a:ext>
-            </a:extLst>
-          </p:cNvPr>
+          <p:cNvPr id="6" name="Footer Placeholder 5"/>
           <p:cNvSpPr>
             <a:spLocks noGrp="1"/>
           </p:cNvSpPr>
@@ -2720,13 +2382,7 @@
       </p:sp>
       <p:sp>
         <p:nvSpPr>
-          <p:cNvPr id="7" name="Slide Number Placeholder 6">
-            <a:extLst>
-              <a:ext uri="{FF2B5EF4-FFF2-40B4-BE49-F238E27FC236}">
-                <a16:creationId xmlns:a16="http://schemas.microsoft.com/office/drawing/2014/main" id="{84912112-1940-7262-C433-0282F2FFC77C}"/>
-              </a:ext>
-            </a:extLst>
-          </p:cNvPr>
+          <p:cNvPr id="7" name="Slide Number Placeholder 6"/>
           <p:cNvSpPr>
             <a:spLocks noGrp="1"/>
           </p:cNvSpPr>
@@ -2750,7 +2406,7 @@
     </p:spTree>
     <p:extLst>
       <p:ext uri="{BB962C8B-B14F-4D97-AF65-F5344CB8AC3E}">
-        <p14:creationId xmlns:p14="http://schemas.microsoft.com/office/powerpoint/2010/main" val="2325657494"/>
+        <p14:creationId xmlns:p14="http://schemas.microsoft.com/office/powerpoint/2010/main" val="1923714958"/>
       </p:ext>
     </p:extLst>
   </p:cSld>
@@ -2784,13 +2440,7 @@
       </p:grpSpPr>
       <p:sp>
         <p:nvSpPr>
-          <p:cNvPr id="2" name="Title Placeholder 1">
-            <a:extLst>
-              <a:ext uri="{FF2B5EF4-FFF2-40B4-BE49-F238E27FC236}">
-                <a16:creationId xmlns:a16="http://schemas.microsoft.com/office/drawing/2014/main" id="{47C7A8B3-3DBF-94DE-CAF5-8EA8091A765B}"/>
-              </a:ext>
-            </a:extLst>
-          </p:cNvPr>
+          <p:cNvPr id="2" name="Title Placeholder 1"/>
           <p:cNvSpPr>
             <a:spLocks noGrp="1"/>
           </p:cNvSpPr>
@@ -2817,19 +2467,13 @@
               <a:rPr lang="en-GB"/>
               <a:t>Click to edit Master title style</a:t>
             </a:r>
-            <a:endParaRPr lang="en-US"/>
-          </a:p>
-        </p:txBody>
-      </p:sp>
-      <p:sp>
-        <p:nvSpPr>
-          <p:cNvPr id="3" name="Text Placeholder 2">
-            <a:extLst>
-              <a:ext uri="{FF2B5EF4-FFF2-40B4-BE49-F238E27FC236}">
-                <a16:creationId xmlns:a16="http://schemas.microsoft.com/office/drawing/2014/main" id="{165B7F17-EFB4-F656-AA2A-4EC0E41DAD6D}"/>
-              </a:ext>
-            </a:extLst>
-          </p:cNvPr>
+            <a:endParaRPr lang="en-US" dirty="0"/>
+          </a:p>
+        </p:txBody>
+      </p:sp>
+      <p:sp>
+        <p:nvSpPr>
+          <p:cNvPr id="3" name="Text Placeholder 2"/>
           <p:cNvSpPr>
             <a:spLocks noGrp="1"/>
           </p:cNvSpPr>
@@ -2885,19 +2529,13 @@
               <a:rPr lang="en-GB"/>
               <a:t>Fifth level</a:t>
             </a:r>
-            <a:endParaRPr lang="en-US"/>
-          </a:p>
-        </p:txBody>
-      </p:sp>
-      <p:sp>
-        <p:nvSpPr>
-          <p:cNvPr id="4" name="Date Placeholder 3">
-            <a:extLst>
-              <a:ext uri="{FF2B5EF4-FFF2-40B4-BE49-F238E27FC236}">
-                <a16:creationId xmlns:a16="http://schemas.microsoft.com/office/drawing/2014/main" id="{B9C74116-3CB0-2453-F1BD-F8196E8A62E8}"/>
-              </a:ext>
-            </a:extLst>
-          </p:cNvPr>
+            <a:endParaRPr lang="en-US" dirty="0"/>
+          </a:p>
+        </p:txBody>
+      </p:sp>
+      <p:sp>
+        <p:nvSpPr>
+          <p:cNvPr id="4" name="Date Placeholder 3"/>
           <p:cNvSpPr>
             <a:spLocks noGrp="1"/>
           </p:cNvSpPr>
@@ -2921,7 +2559,7 @@
               <a:defRPr sz="1200">
                 <a:solidFill>
                   <a:schemeClr val="tx1">
-                    <a:tint val="82000"/>
+                    <a:shade val="82000"/>
                   </a:schemeClr>
                 </a:solidFill>
               </a:defRPr>
@@ -2930,7 +2568,7 @@
           <a:p>
             <a:fld id="{03FB8AE5-4979-984F-8FD7-52D4A3BB0305}" type="datetimeFigureOut">
               <a:rPr lang="en-US" smtClean="0"/>
-              <a:t>5/30/24</a:t>
+              <a:t>6/6/24</a:t>
             </a:fld>
             <a:endParaRPr lang="en-US"/>
           </a:p>
@@ -2938,13 +2576,7 @@
       </p:sp>
       <p:sp>
         <p:nvSpPr>
-          <p:cNvPr id="5" name="Footer Placeholder 4">
-            <a:extLst>
-              <a:ext uri="{FF2B5EF4-FFF2-40B4-BE49-F238E27FC236}">
-                <a16:creationId xmlns:a16="http://schemas.microsoft.com/office/drawing/2014/main" id="{D8DDD05A-CF7C-2AA8-4918-B5AA2C16F76A}"/>
-              </a:ext>
-            </a:extLst>
-          </p:cNvPr>
+          <p:cNvPr id="5" name="Footer Placeholder 4"/>
           <p:cNvSpPr>
             <a:spLocks noGrp="1"/>
           </p:cNvSpPr>
@@ -2968,7 +2600,7 @@
               <a:defRPr sz="1200">
                 <a:solidFill>
                   <a:schemeClr val="tx1">
-                    <a:tint val="82000"/>
+                    <a:shade val="82000"/>
                   </a:schemeClr>
                 </a:solidFill>
               </a:defRPr>
@@ -2981,13 +2613,7 @@
       </p:sp>
       <p:sp>
         <p:nvSpPr>
-          <p:cNvPr id="6" name="Slide Number Placeholder 5">
-            <a:extLst>
-              <a:ext uri="{FF2B5EF4-FFF2-40B4-BE49-F238E27FC236}">
-                <a16:creationId xmlns:a16="http://schemas.microsoft.com/office/drawing/2014/main" id="{67AADBE1-93D3-BAC4-F000-D7CFE7A3052A}"/>
-              </a:ext>
-            </a:extLst>
-          </p:cNvPr>
+          <p:cNvPr id="6" name="Slide Number Placeholder 5"/>
           <p:cNvSpPr>
             <a:spLocks noGrp="1"/>
           </p:cNvSpPr>
@@ -3011,7 +2637,7 @@
               <a:defRPr sz="1200">
                 <a:solidFill>
                   <a:schemeClr val="tx1">
-                    <a:tint val="82000"/>
+                    <a:shade val="82000"/>
                   </a:schemeClr>
                 </a:solidFill>
               </a:defRPr>
@@ -3029,23 +2655,23 @@
     </p:spTree>
     <p:extLst>
       <p:ext uri="{BB962C8B-B14F-4D97-AF65-F5344CB8AC3E}">
-        <p14:creationId xmlns:p14="http://schemas.microsoft.com/office/powerpoint/2010/main" val="4213755555"/>
+        <p14:creationId xmlns:p14="http://schemas.microsoft.com/office/powerpoint/2010/main" val="1346221259"/>
       </p:ext>
     </p:extLst>
   </p:cSld>
-  <p:clrMap bg1="lt1" tx1="dk1" bg2="lt2" tx2="dk2" accent1="accent1" accent2="accent2" accent3="accent3" accent4="accent4" accent5="accent5" accent6="accent6" hlink="hlink" folHlink="folHlink"/>
+  <p:clrMap bg1="dk1" tx1="lt1" bg2="dk2" tx2="lt2" accent1="accent1" accent2="accent2" accent3="accent3" accent4="accent4" accent5="accent5" accent6="accent6" hlink="hlink" folHlink="folHlink"/>
   <p:sldLayoutIdLst>
-    <p:sldLayoutId id="2147483649" r:id="rId1"/>
-    <p:sldLayoutId id="2147483650" r:id="rId2"/>
-    <p:sldLayoutId id="2147483651" r:id="rId3"/>
-    <p:sldLayoutId id="2147483652" r:id="rId4"/>
-    <p:sldLayoutId id="2147483653" r:id="rId5"/>
-    <p:sldLayoutId id="2147483654" r:id="rId6"/>
-    <p:sldLayoutId id="2147483655" r:id="rId7"/>
-    <p:sldLayoutId id="2147483656" r:id="rId8"/>
-    <p:sldLayoutId id="2147483657" r:id="rId9"/>
-    <p:sldLayoutId id="2147483658" r:id="rId10"/>
-    <p:sldLayoutId id="2147483659" r:id="rId11"/>
+    <p:sldLayoutId id="2147483661" r:id="rId1"/>
+    <p:sldLayoutId id="2147483662" r:id="rId2"/>
+    <p:sldLayoutId id="2147483663" r:id="rId3"/>
+    <p:sldLayoutId id="2147483664" r:id="rId4"/>
+    <p:sldLayoutId id="2147483665" r:id="rId5"/>
+    <p:sldLayoutId id="2147483666" r:id="rId6"/>
+    <p:sldLayoutId id="2147483667" r:id="rId7"/>
+    <p:sldLayoutId id="2147483668" r:id="rId8"/>
+    <p:sldLayoutId id="2147483669" r:id="rId9"/>
+    <p:sldLayoutId id="2147483670" r:id="rId10"/>
+    <p:sldLayoutId id="2147483671" r:id="rId11"/>
   </p:sldLayoutIdLst>
   <p:txStyles>
     <p:titleStyle>
@@ -3349,36 +2975,6 @@
       </p:grpSpPr>
       <p:pic>
         <p:nvPicPr>
-          <p:cNvPr id="5" name="Picture 4" descr="Several rolls of colorful paper&#10;&#10;Description automatically generated">
-            <a:extLst>
-              <a:ext uri="{FF2B5EF4-FFF2-40B4-BE49-F238E27FC236}">
-                <a16:creationId xmlns:a16="http://schemas.microsoft.com/office/drawing/2014/main" id="{6D153165-5080-A57D-F84B-B02A35196ABC}"/>
-              </a:ext>
-            </a:extLst>
-          </p:cNvPr>
-          <p:cNvPicPr>
-            <a:picLocks noChangeAspect="1"/>
-          </p:cNvPicPr>
-          <p:nvPr/>
-        </p:nvPicPr>
-        <p:blipFill>
-          <a:blip r:embed="rId2"/>
-          <a:stretch>
-            <a:fillRect/>
-          </a:stretch>
-        </p:blipFill>
-        <p:spPr>
-          <a:xfrm>
-            <a:off x="0" y="0"/>
-            <a:ext cx="7772400" cy="4731026"/>
-          </a:xfrm>
-          <a:prstGeom prst="rect">
-            <a:avLst/>
-          </a:prstGeom>
-        </p:spPr>
-      </p:pic>
-      <p:pic>
-        <p:nvPicPr>
           <p:cNvPr id="7" name="Picture 6" descr="A blurry red light streaks on a street&#10;&#10;Description automatically generated">
             <a:extLst>
               <a:ext uri="{FF2B5EF4-FFF2-40B4-BE49-F238E27FC236}">
@@ -3392,7 +2988,7 @@
           <p:nvPr/>
         </p:nvPicPr>
         <p:blipFill rotWithShape="1">
-          <a:blip r:embed="rId3"/>
+          <a:blip r:embed="rId2"/>
           <a:srcRect r="40179"/>
           <a:stretch/>
         </p:blipFill>
@@ -3406,12 +3002,64 @@
           </a:prstGeom>
         </p:spPr>
       </p:pic>
+      <p:sp>
+        <p:nvSpPr>
+          <p:cNvPr id="16" name="Rectangle 15">
+            <a:extLst>
+              <a:ext uri="{FF2B5EF4-FFF2-40B4-BE49-F238E27FC236}">
+                <a16:creationId xmlns:a16="http://schemas.microsoft.com/office/drawing/2014/main" id="{2BDDD88D-7EC0-3D7C-551B-036740F99744}"/>
+              </a:ext>
+            </a:extLst>
+          </p:cNvPr>
+          <p:cNvSpPr/>
+          <p:nvPr/>
+        </p:nvSpPr>
+        <p:spPr>
+          <a:xfrm>
+            <a:off x="0" y="0"/>
+            <a:ext cx="7772400" cy="4731026"/>
+          </a:xfrm>
+          <a:prstGeom prst="rect">
+            <a:avLst/>
+          </a:prstGeom>
+          <a:solidFill>
+            <a:schemeClr val="tx1"/>
+          </a:solidFill>
+          <a:ln>
+            <a:noFill/>
+          </a:ln>
+        </p:spPr>
+        <p:style>
+          <a:lnRef idx="2">
+            <a:schemeClr val="accent1">
+              <a:shade val="15000"/>
+            </a:schemeClr>
+          </a:lnRef>
+          <a:fillRef idx="1">
+            <a:schemeClr val="accent1"/>
+          </a:fillRef>
+          <a:effectRef idx="0">
+            <a:schemeClr val="accent1"/>
+          </a:effectRef>
+          <a:fontRef idx="minor">
+            <a:schemeClr val="lt1"/>
+          </a:fontRef>
+        </p:style>
+        <p:txBody>
+          <a:bodyPr rtlCol="0" anchor="ctr"/>
+          <a:lstStyle/>
+          <a:p>
+            <a:pPr algn="ctr"/>
+            <a:endParaRPr lang="en-US"/>
+          </a:p>
+        </p:txBody>
+      </p:sp>
       <p:pic>
         <p:nvPicPr>
-          <p:cNvPr id="3" name="Picture 2" descr="A stack of wood planks&#10;&#10;Description automatically generated">
+          <p:cNvPr id="15" name="Picture 14" descr="A close-up of a book&#10;&#10;Description automatically generated">
             <a:extLst>
               <a:ext uri="{FF2B5EF4-FFF2-40B4-BE49-F238E27FC236}">
-                <a16:creationId xmlns:a16="http://schemas.microsoft.com/office/drawing/2014/main" id="{D27A6E3A-01D9-922B-A872-4B542E0B3F5D}"/>
+                <a16:creationId xmlns:a16="http://schemas.microsoft.com/office/drawing/2014/main" id="{746AF0A8-416D-8F43-8834-A5F24218E2B2}"/>
               </a:ext>
             </a:extLst>
           </p:cNvPr>
@@ -3421,18 +3069,21 @@
           <p:nvPr/>
         </p:nvPicPr>
         <p:blipFill rotWithShape="1">
-          <a:blip r:embed="rId4"/>
-          <a:srcRect b="18840"/>
+          <a:blip r:embed="rId3"/>
+          <a:srcRect b="11424"/>
           <a:stretch/>
         </p:blipFill>
         <p:spPr>
           <a:xfrm>
-            <a:off x="0" y="0"/>
-            <a:ext cx="7772400" cy="4731026"/>
+            <a:off x="1384533" y="413428"/>
+            <a:ext cx="4736867" cy="3904170"/>
           </a:xfrm>
           <a:prstGeom prst="rect">
             <a:avLst/>
           </a:prstGeom>
+          <a:solidFill>
+            <a:schemeClr val="bg1"/>
+          </a:solidFill>
         </p:spPr>
       </p:pic>
     </p:spTree>
@@ -3451,7 +3102,7 @@
 <file path=ppt/theme/theme1.xml><?xml version="1.0" encoding="utf-8"?>
 <a:theme xmlns:a="http://schemas.openxmlformats.org/drawingml/2006/main" name="Office Theme">
   <a:themeElements>
-    <a:clrScheme name="Office">
+    <a:clrScheme name="Office Theme">
       <a:dk1>
         <a:sysClr val="windowText" lastClr="000000"/>
       </a:dk1>
@@ -3483,13 +3134,13 @@
         <a:srgbClr val="4EA72E"/>
       </a:accent6>
       <a:hlink>
-        <a:srgbClr val="467886"/>
+        <a:srgbClr val="538D9D"/>
       </a:hlink>
       <a:folHlink>
-        <a:srgbClr val="96607D"/>
+        <a:srgbClr val="A5738E"/>
       </a:folHlink>
     </a:clrScheme>
-    <a:fontScheme name="Office">
+    <a:fontScheme name="Office Theme">
       <a:majorFont>
         <a:latin typeface="Aptos Display" panose="02110004020202020204"/>
         <a:ea typeface=""/>
@@ -3595,7 +3246,7 @@
         <a:font script="Tfng" typeface="Ebrima"/>
       </a:minorFont>
     </a:fontScheme>
-    <a:fmtScheme name="Office">
+    <a:fmtScheme name="Office Theme">
       <a:fillStyleLst>
         <a:solidFill>
           <a:schemeClr val="phClr"/>
@@ -3757,7 +3408,7 @@
   <a:extraClrSchemeLst/>
   <a:extLst>
     <a:ext uri="{05A4C25C-085E-4340-85A3-A5531E510DB2}">
-      <thm15:themeFamily xmlns:thm15="http://schemas.microsoft.com/office/thememl/2012/main" name="Office Theme" id="{2E142A2C-CD16-42D6-873A-C26D2A0506FA}" vid="{1BDDFF52-6CD6-40A5-AB3C-68EB2F1E4D0A}"/>
+      <thm15:themeFamily xmlns:thm15="http://schemas.microsoft.com/office/thememl/2012/main" name="Office Theme" id="{2E142A2C-CD16-42D6-873A-C26D2A0506FA}" vid="{3A418E6B-C5F0-4B95-8D77-61E3EF3B5DF5}"/>
     </a:ext>
   </a:extLst>
 </a:theme>

--- a/static/images/project/blog graphic size.pptx
+++ b/static/images/project/blog graphic size.pptx
@@ -243,7 +243,7 @@
           <a:p>
             <a:fld id="{03FB8AE5-4979-984F-8FD7-52D4A3BB0305}" type="datetimeFigureOut">
               <a:rPr lang="en-US" smtClean="0"/>
-              <a:t>6/6/24</a:t>
+              <a:t>7/4/24</a:t>
             </a:fld>
             <a:endParaRPr lang="en-US"/>
           </a:p>
@@ -413,7 +413,7 @@
           <a:p>
             <a:fld id="{03FB8AE5-4979-984F-8FD7-52D4A3BB0305}" type="datetimeFigureOut">
               <a:rPr lang="en-US" smtClean="0"/>
-              <a:t>6/6/24</a:t>
+              <a:t>7/4/24</a:t>
             </a:fld>
             <a:endParaRPr lang="en-US"/>
           </a:p>
@@ -593,7 +593,7 @@
           <a:p>
             <a:fld id="{03FB8AE5-4979-984F-8FD7-52D4A3BB0305}" type="datetimeFigureOut">
               <a:rPr lang="en-US" smtClean="0"/>
-              <a:t>6/6/24</a:t>
+              <a:t>7/4/24</a:t>
             </a:fld>
             <a:endParaRPr lang="en-US"/>
           </a:p>
@@ -763,7 +763,7 @@
           <a:p>
             <a:fld id="{03FB8AE5-4979-984F-8FD7-52D4A3BB0305}" type="datetimeFigureOut">
               <a:rPr lang="en-US" smtClean="0"/>
-              <a:t>6/6/24</a:t>
+              <a:t>7/4/24</a:t>
             </a:fld>
             <a:endParaRPr lang="en-US"/>
           </a:p>
@@ -1009,7 +1009,7 @@
           <a:p>
             <a:fld id="{03FB8AE5-4979-984F-8FD7-52D4A3BB0305}" type="datetimeFigureOut">
               <a:rPr lang="en-US" smtClean="0"/>
-              <a:t>6/6/24</a:t>
+              <a:t>7/4/24</a:t>
             </a:fld>
             <a:endParaRPr lang="en-US"/>
           </a:p>
@@ -1241,7 +1241,7 @@
           <a:p>
             <a:fld id="{03FB8AE5-4979-984F-8FD7-52D4A3BB0305}" type="datetimeFigureOut">
               <a:rPr lang="en-US" smtClean="0"/>
-              <a:t>6/6/24</a:t>
+              <a:t>7/4/24</a:t>
             </a:fld>
             <a:endParaRPr lang="en-US"/>
           </a:p>
@@ -1608,7 +1608,7 @@
           <a:p>
             <a:fld id="{03FB8AE5-4979-984F-8FD7-52D4A3BB0305}" type="datetimeFigureOut">
               <a:rPr lang="en-US" smtClean="0"/>
-              <a:t>6/6/24</a:t>
+              <a:t>7/4/24</a:t>
             </a:fld>
             <a:endParaRPr lang="en-US"/>
           </a:p>
@@ -1726,7 +1726,7 @@
           <a:p>
             <a:fld id="{03FB8AE5-4979-984F-8FD7-52D4A3BB0305}" type="datetimeFigureOut">
               <a:rPr lang="en-US" smtClean="0"/>
-              <a:t>6/6/24</a:t>
+              <a:t>7/4/24</a:t>
             </a:fld>
             <a:endParaRPr lang="en-US"/>
           </a:p>
@@ -1821,7 +1821,7 @@
           <a:p>
             <a:fld id="{03FB8AE5-4979-984F-8FD7-52D4A3BB0305}" type="datetimeFigureOut">
               <a:rPr lang="en-US" smtClean="0"/>
-              <a:t>6/6/24</a:t>
+              <a:t>7/4/24</a:t>
             </a:fld>
             <a:endParaRPr lang="en-US"/>
           </a:p>
@@ -2098,7 +2098,7 @@
           <a:p>
             <a:fld id="{03FB8AE5-4979-984F-8FD7-52D4A3BB0305}" type="datetimeFigureOut">
               <a:rPr lang="en-US" smtClean="0"/>
-              <a:t>6/6/24</a:t>
+              <a:t>7/4/24</a:t>
             </a:fld>
             <a:endParaRPr lang="en-US"/>
           </a:p>
@@ -2355,7 +2355,7 @@
           <a:p>
             <a:fld id="{03FB8AE5-4979-984F-8FD7-52D4A3BB0305}" type="datetimeFigureOut">
               <a:rPr lang="en-US" smtClean="0"/>
-              <a:t>6/6/24</a:t>
+              <a:t>7/4/24</a:t>
             </a:fld>
             <a:endParaRPr lang="en-US"/>
           </a:p>
@@ -2568,7 +2568,7 @@
           <a:p>
             <a:fld id="{03FB8AE5-4979-984F-8FD7-52D4A3BB0305}" type="datetimeFigureOut">
               <a:rPr lang="en-US" smtClean="0"/>
-              <a:t>6/6/24</a:t>
+              <a:t>7/4/24</a:t>
             </a:fld>
             <a:endParaRPr lang="en-US"/>
           </a:p>
@@ -3002,64 +3002,12 @@
           </a:prstGeom>
         </p:spPr>
       </p:pic>
-      <p:sp>
-        <p:nvSpPr>
-          <p:cNvPr id="16" name="Rectangle 15">
+      <p:pic>
+        <p:nvPicPr>
+          <p:cNvPr id="5" name="Picture 4" descr="A power line pole with wires&#10;&#10;Description automatically generated">
             <a:extLst>
               <a:ext uri="{FF2B5EF4-FFF2-40B4-BE49-F238E27FC236}">
-                <a16:creationId xmlns:a16="http://schemas.microsoft.com/office/drawing/2014/main" id="{2BDDD88D-7EC0-3D7C-551B-036740F99744}"/>
-              </a:ext>
-            </a:extLst>
-          </p:cNvPr>
-          <p:cNvSpPr/>
-          <p:nvPr/>
-        </p:nvSpPr>
-        <p:spPr>
-          <a:xfrm>
-            <a:off x="0" y="0"/>
-            <a:ext cx="7772400" cy="4731026"/>
-          </a:xfrm>
-          <a:prstGeom prst="rect">
-            <a:avLst/>
-          </a:prstGeom>
-          <a:solidFill>
-            <a:schemeClr val="tx1"/>
-          </a:solidFill>
-          <a:ln>
-            <a:noFill/>
-          </a:ln>
-        </p:spPr>
-        <p:style>
-          <a:lnRef idx="2">
-            <a:schemeClr val="accent1">
-              <a:shade val="15000"/>
-            </a:schemeClr>
-          </a:lnRef>
-          <a:fillRef idx="1">
-            <a:schemeClr val="accent1"/>
-          </a:fillRef>
-          <a:effectRef idx="0">
-            <a:schemeClr val="accent1"/>
-          </a:effectRef>
-          <a:fontRef idx="minor">
-            <a:schemeClr val="lt1"/>
-          </a:fontRef>
-        </p:style>
-        <p:txBody>
-          <a:bodyPr rtlCol="0" anchor="ctr"/>
-          <a:lstStyle/>
-          <a:p>
-            <a:pPr algn="ctr"/>
-            <a:endParaRPr lang="en-US"/>
-          </a:p>
-        </p:txBody>
-      </p:sp>
-      <p:pic>
-        <p:nvPicPr>
-          <p:cNvPr id="15" name="Picture 14" descr="A close-up of a book&#10;&#10;Description automatically generated">
-            <a:extLst>
-              <a:ext uri="{FF2B5EF4-FFF2-40B4-BE49-F238E27FC236}">
-                <a16:creationId xmlns:a16="http://schemas.microsoft.com/office/drawing/2014/main" id="{746AF0A8-416D-8F43-8834-A5F24218E2B2}"/>
+                <a16:creationId xmlns:a16="http://schemas.microsoft.com/office/drawing/2014/main" id="{314A1AFE-5C84-BE4B-7B83-97B128DE937D}"/>
               </a:ext>
             </a:extLst>
           </p:cNvPr>
@@ -3068,22 +3016,20 @@
           </p:cNvPicPr>
           <p:nvPr/>
         </p:nvPicPr>
-        <p:blipFill rotWithShape="1">
+        <p:blipFill>
           <a:blip r:embed="rId3"/>
-          <a:srcRect b="11424"/>
-          <a:stretch/>
+          <a:stretch>
+            <a:fillRect/>
+          </a:stretch>
         </p:blipFill>
         <p:spPr>
           <a:xfrm>
-            <a:off x="1384533" y="413428"/>
-            <a:ext cx="4736867" cy="3904170"/>
+            <a:off x="0" y="1"/>
+            <a:ext cx="7772400" cy="4731026"/>
           </a:xfrm>
           <a:prstGeom prst="rect">
             <a:avLst/>
           </a:prstGeom>
-          <a:solidFill>
-            <a:schemeClr val="bg1"/>
-          </a:solidFill>
         </p:spPr>
       </p:pic>
     </p:spTree>
